--- a/6-Responsible Web Design/ResponsibleWebDesign.pptx
+++ b/6-Responsible Web Design/ResponsibleWebDesign.pptx
@@ -202,7 +202,7 @@
           <a:p>
             <a:fld id="{D1EA0DBE-4458-7349-8DB4-B45B1B6487F3}" type="datetimeFigureOut">
               <a:rPr lang="en-US" smtClean="0"/>
-              <a:t>1/9/2012</a:t>
+              <a:t>1/9/12</a:t>
             </a:fld>
             <a:endParaRPr lang="en-US"/>
           </a:p>
@@ -765,13 +765,13 @@
   <p:clrMapOvr>
     <a:masterClrMapping/>
   </p:clrMapOvr>
-  <p:transition>
+  <p:transition xmlns:p14="http://schemas.microsoft.com/office/powerpoint/2010/main">
     <p:fade/>
   </p:transition>
   <p:timing>
     <p:tnLst>
       <p:par>
-        <p:cTn id="1" dur="indefinite" restart="never" nodeType="tmRoot"/>
+        <p:cTn xmlns:p14="http://schemas.microsoft.com/office/powerpoint/2010/main" id="1" dur="indefinite" restart="never" nodeType="tmRoot"/>
       </p:par>
     </p:tnLst>
   </p:timing>
@@ -940,7 +940,7 @@
   <p:clrMapOvr>
     <a:masterClrMapping/>
   </p:clrMapOvr>
-  <p:transition>
+  <p:transition xmlns:p14="http://schemas.microsoft.com/office/powerpoint/2010/main">
     <p:fade/>
   </p:transition>
 </p:sldLayout>
@@ -1240,13 +1240,13 @@
   <p:clrMapOvr>
     <a:masterClrMapping/>
   </p:clrMapOvr>
-  <p:transition>
+  <p:transition xmlns:p14="http://schemas.microsoft.com/office/powerpoint/2010/main">
     <p:fade/>
   </p:transition>
   <p:timing>
     <p:tnLst>
       <p:par>
-        <p:cTn id="1" dur="indefinite" restart="never" nodeType="tmRoot"/>
+        <p:cTn xmlns:p14="http://schemas.microsoft.com/office/powerpoint/2010/main" id="1" dur="indefinite" restart="never" nodeType="tmRoot"/>
       </p:par>
     </p:tnLst>
   </p:timing>
@@ -1659,7 +1659,7 @@
   <p:clrMapOvr>
     <a:masterClrMapping/>
   </p:clrMapOvr>
-  <p:transition>
+  <p:transition xmlns:p14="http://schemas.microsoft.com/office/powerpoint/2010/main">
     <p:fade/>
   </p:transition>
 </p:sldLayout>
@@ -1719,13 +1719,13 @@
   <p:clrMapOvr>
     <a:masterClrMapping/>
   </p:clrMapOvr>
-  <p:transition>
+  <p:transition xmlns:p14="http://schemas.microsoft.com/office/powerpoint/2010/main">
     <p:fade/>
   </p:transition>
   <p:timing>
     <p:tnLst>
       <p:par>
-        <p:cTn id="1" dur="indefinite" restart="never" nodeType="tmRoot"/>
+        <p:cTn xmlns:p14="http://schemas.microsoft.com/office/powerpoint/2010/main" id="1" dur="indefinite" restart="never" nodeType="tmRoot"/>
       </p:par>
     </p:tnLst>
   </p:timing>
@@ -1759,7 +1759,7 @@
   <p:clrMapOvr>
     <a:masterClrMapping/>
   </p:clrMapOvr>
-  <p:transition>
+  <p:transition xmlns:p14="http://schemas.microsoft.com/office/powerpoint/2010/main">
     <p:fade/>
   </p:transition>
 </p:sldLayout>
@@ -1806,13 +1806,13 @@
   <p:clrMapOvr>
     <a:masterClrMapping/>
   </p:clrMapOvr>
-  <p:transition>
+  <p:transition xmlns:p14="http://schemas.microsoft.com/office/powerpoint/2010/main">
     <p:fade/>
   </p:transition>
   <p:timing>
     <p:tnLst>
       <p:par>
-        <p:cTn id="1" dur="indefinite" restart="never" nodeType="tmRoot"/>
+        <p:cTn xmlns:p14="http://schemas.microsoft.com/office/powerpoint/2010/main" id="1" dur="indefinite" restart="never" nodeType="tmRoot"/>
       </p:par>
     </p:tnLst>
   </p:timing>
@@ -1865,13 +1865,13 @@
   <p:clrMapOvr>
     <a:masterClrMapping/>
   </p:clrMapOvr>
-  <p:transition>
+  <p:transition xmlns:p14="http://schemas.microsoft.com/office/powerpoint/2010/main">
     <p:fade/>
   </p:transition>
   <p:timing>
     <p:tnLst>
       <p:par>
-        <p:cTn id="1" dur="indefinite" restart="never" nodeType="tmRoot"/>
+        <p:cTn xmlns:p14="http://schemas.microsoft.com/office/powerpoint/2010/main" id="1" dur="indefinite" restart="never" nodeType="tmRoot"/>
       </p:par>
     </p:tnLst>
   </p:timing>
@@ -2116,7 +2116,7 @@
   <p:clrMapOvr>
     <a:masterClrMapping/>
   </p:clrMapOvr>
-  <p:transition>
+  <p:transition xmlns:p14="http://schemas.microsoft.com/office/powerpoint/2010/main">
     <p:fade/>
   </p:transition>
 </p:sldLayout>
@@ -2412,7 +2412,7 @@
   <p:clrMapOvr>
     <a:masterClrMapping/>
   </p:clrMapOvr>
-  <p:transition>
+  <p:transition xmlns:p14="http://schemas.microsoft.com/office/powerpoint/2010/main">
     <p:fade/>
   </p:transition>
 </p:sldLayout>
@@ -2580,13 +2580,13 @@
   <p:clrMapOvr>
     <a:masterClrMapping/>
   </p:clrMapOvr>
-  <p:transition>
+  <p:transition xmlns:p14="http://schemas.microsoft.com/office/powerpoint/2010/main">
     <p:fade/>
   </p:transition>
   <p:timing>
     <p:tnLst>
       <p:par>
-        <p:cTn id="1" dur="indefinite" restart="never" nodeType="tmRoot"/>
+        <p:cTn xmlns:p14="http://schemas.microsoft.com/office/powerpoint/2010/main" id="1" dur="indefinite" restart="never" nodeType="tmRoot"/>
       </p:par>
     </p:tnLst>
   </p:timing>
@@ -2862,7 +2862,7 @@
   <p:clrMapOvr>
     <a:masterClrMapping/>
   </p:clrMapOvr>
-  <p:transition>
+  <p:transition xmlns:p14="http://schemas.microsoft.com/office/powerpoint/2010/main">
     <p:fade/>
   </p:transition>
 </p:sldLayout>
@@ -3035,13 +3035,13 @@
   <p:clrMapOvr>
     <a:masterClrMapping/>
   </p:clrMapOvr>
-  <p:transition>
+  <p:transition xmlns:p14="http://schemas.microsoft.com/office/powerpoint/2010/main">
     <p:fade/>
   </p:transition>
   <p:timing>
     <p:tnLst>
       <p:par>
-        <p:cTn id="1" dur="indefinite" restart="never" nodeType="tmRoot"/>
+        <p:cTn xmlns:p14="http://schemas.microsoft.com/office/powerpoint/2010/main" id="1" dur="indefinite" restart="never" nodeType="tmRoot"/>
       </p:par>
     </p:tnLst>
   </p:timing>
@@ -3259,13 +3259,13 @@
   <p:clrMapOvr>
     <a:masterClrMapping/>
   </p:clrMapOvr>
-  <p:transition>
+  <p:transition xmlns:p14="http://schemas.microsoft.com/office/powerpoint/2010/main">
     <p:fade/>
   </p:transition>
   <p:timing>
     <p:tnLst>
       <p:par>
-        <p:cTn id="1" dur="indefinite" restart="never" nodeType="tmRoot"/>
+        <p:cTn xmlns:p14="http://schemas.microsoft.com/office/powerpoint/2010/main" id="1" dur="indefinite" restart="never" nodeType="tmRoot"/>
       </p:par>
     </p:tnLst>
   </p:timing>
@@ -3483,13 +3483,13 @@
   <p:clrMapOvr>
     <a:masterClrMapping/>
   </p:clrMapOvr>
-  <p:transition>
+  <p:transition xmlns:p14="http://schemas.microsoft.com/office/powerpoint/2010/main">
     <p:fade/>
   </p:transition>
   <p:timing>
     <p:tnLst>
       <p:par>
-        <p:cTn id="1" dur="indefinite" restart="never" nodeType="tmRoot"/>
+        <p:cTn xmlns:p14="http://schemas.microsoft.com/office/powerpoint/2010/main" id="1" dur="indefinite" restart="never" nodeType="tmRoot"/>
       </p:par>
     </p:tnLst>
   </p:timing>
@@ -3765,7 +3765,7 @@
   <p:clrMapOvr>
     <a:masterClrMapping/>
   </p:clrMapOvr>
-  <p:transition>
+  <p:transition xmlns:p14="http://schemas.microsoft.com/office/powerpoint/2010/main">
     <p:fade/>
   </p:transition>
 </p:sldLayout>
@@ -4040,7 +4040,7 @@
   <p:clrMapOvr>
     <a:masterClrMapping/>
   </p:clrMapOvr>
-  <p:transition>
+  <p:transition xmlns:p14="http://schemas.microsoft.com/office/powerpoint/2010/main">
     <p:fade/>
   </p:transition>
 </p:sldLayout>
@@ -4315,7 +4315,7 @@
   <p:clrMapOvr>
     <a:masterClrMapping/>
   </p:clrMapOvr>
-  <p:transition>
+  <p:transition xmlns:p14="http://schemas.microsoft.com/office/powerpoint/2010/main">
     <p:fade/>
   </p:transition>
 </p:sldLayout>
@@ -4590,7 +4590,7 @@
   <p:clrMapOvr>
     <a:masterClrMapping/>
   </p:clrMapOvr>
-  <p:transition>
+  <p:transition xmlns:p14="http://schemas.microsoft.com/office/powerpoint/2010/main">
     <p:fade/>
   </p:transition>
 </p:sldLayout>
@@ -4865,7 +4865,7 @@
   <p:clrMapOvr>
     <a:masterClrMapping/>
   </p:clrMapOvr>
-  <p:transition>
+  <p:transition xmlns:p14="http://schemas.microsoft.com/office/powerpoint/2010/main">
     <p:fade/>
   </p:transition>
 </p:sldLayout>
@@ -5140,7 +5140,7 @@
   <p:clrMapOvr>
     <a:masterClrMapping/>
   </p:clrMapOvr>
-  <p:transition>
+  <p:transition xmlns:p14="http://schemas.microsoft.com/office/powerpoint/2010/main">
     <p:fade/>
   </p:transition>
 </p:sldLayout>
@@ -5262,7 +5262,7 @@
   <p:clrMapOvr>
     <a:masterClrMapping/>
   </p:clrMapOvr>
-  <p:transition>
+  <p:transition xmlns:p14="http://schemas.microsoft.com/office/powerpoint/2010/main">
     <p:fade/>
   </p:transition>
 </p:sldLayout>
@@ -5537,7 +5537,7 @@
   <p:clrMapOvr>
     <a:masterClrMapping/>
   </p:clrMapOvr>
-  <p:transition>
+  <p:transition xmlns:p14="http://schemas.microsoft.com/office/powerpoint/2010/main">
     <p:fade/>
   </p:transition>
 </p:sldLayout>
@@ -5714,7 +5714,7 @@
   <p:clrMapOvr>
     <a:masterClrMapping/>
   </p:clrMapOvr>
-  <p:transition>
+  <p:transition xmlns:p14="http://schemas.microsoft.com/office/powerpoint/2010/main">
     <p:fade/>
   </p:transition>
 </p:sldLayout>
@@ -5882,7 +5882,7 @@
   <p:clrMapOvr>
     <a:masterClrMapping/>
   </p:clrMapOvr>
-  <p:transition>
+  <p:transition xmlns:p14="http://schemas.microsoft.com/office/powerpoint/2010/main">
     <p:fade/>
   </p:transition>
 </p:sldLayout>
@@ -6182,13 +6182,13 @@
   <p:clrMapOvr>
     <a:masterClrMapping/>
   </p:clrMapOvr>
-  <p:transition>
+  <p:transition xmlns:p14="http://schemas.microsoft.com/office/powerpoint/2010/main">
     <p:fade/>
   </p:transition>
   <p:timing>
     <p:tnLst>
       <p:par>
-        <p:cTn id="1" dur="indefinite" restart="never" nodeType="tmRoot"/>
+        <p:cTn xmlns:p14="http://schemas.microsoft.com/office/powerpoint/2010/main" id="1" dur="indefinite" restart="never" nodeType="tmRoot"/>
       </p:par>
     </p:tnLst>
   </p:timing>
@@ -6601,7 +6601,7 @@
   <p:clrMapOvr>
     <a:masterClrMapping/>
   </p:clrMapOvr>
-  <p:transition>
+  <p:transition xmlns:p14="http://schemas.microsoft.com/office/powerpoint/2010/main">
     <p:fade/>
   </p:transition>
 </p:sldLayout>
@@ -6661,13 +6661,13 @@
   <p:clrMapOvr>
     <a:masterClrMapping/>
   </p:clrMapOvr>
-  <p:transition>
+  <p:transition xmlns:p14="http://schemas.microsoft.com/office/powerpoint/2010/main">
     <p:fade/>
   </p:transition>
   <p:timing>
     <p:tnLst>
       <p:par>
-        <p:cTn id="1" dur="indefinite" restart="never" nodeType="tmRoot"/>
+        <p:cTn xmlns:p14="http://schemas.microsoft.com/office/powerpoint/2010/main" id="1" dur="indefinite" restart="never" nodeType="tmRoot"/>
       </p:par>
     </p:tnLst>
   </p:timing>
@@ -6701,7 +6701,7 @@
   <p:clrMapOvr>
     <a:masterClrMapping/>
   </p:clrMapOvr>
-  <p:transition>
+  <p:transition xmlns:p14="http://schemas.microsoft.com/office/powerpoint/2010/main">
     <p:fade/>
   </p:transition>
 </p:sldLayout>
@@ -6748,13 +6748,13 @@
   <p:clrMapOvr>
     <a:masterClrMapping/>
   </p:clrMapOvr>
-  <p:transition>
+  <p:transition xmlns:p14="http://schemas.microsoft.com/office/powerpoint/2010/main">
     <p:fade/>
   </p:transition>
   <p:timing>
     <p:tnLst>
       <p:par>
-        <p:cTn id="1" dur="indefinite" restart="never" nodeType="tmRoot"/>
+        <p:cTn xmlns:p14="http://schemas.microsoft.com/office/powerpoint/2010/main" id="1" dur="indefinite" restart="never" nodeType="tmRoot"/>
       </p:par>
     </p:tnLst>
   </p:timing>
@@ -6807,13 +6807,13 @@
   <p:clrMapOvr>
     <a:masterClrMapping/>
   </p:clrMapOvr>
-  <p:transition>
+  <p:transition xmlns:p14="http://schemas.microsoft.com/office/powerpoint/2010/main">
     <p:fade/>
   </p:transition>
   <p:timing>
     <p:tnLst>
       <p:par>
-        <p:cTn id="1" dur="indefinite" restart="never" nodeType="tmRoot"/>
+        <p:cTn xmlns:p14="http://schemas.microsoft.com/office/powerpoint/2010/main" id="1" dur="indefinite" restart="never" nodeType="tmRoot"/>
       </p:par>
     </p:tnLst>
   </p:timing>
@@ -7058,7 +7058,7 @@
   <p:clrMapOvr>
     <a:masterClrMapping/>
   </p:clrMapOvr>
-  <p:transition>
+  <p:transition xmlns:p14="http://schemas.microsoft.com/office/powerpoint/2010/main">
     <p:fade/>
   </p:transition>
 </p:sldLayout>
@@ -7354,7 +7354,7 @@
   <p:clrMapOvr>
     <a:masterClrMapping/>
   </p:clrMapOvr>
-  <p:transition>
+  <p:transition xmlns:p14="http://schemas.microsoft.com/office/powerpoint/2010/main">
     <p:fade/>
   </p:transition>
 </p:sldLayout>
@@ -7629,7 +7629,7 @@
   <p:clrMapOvr>
     <a:masterClrMapping/>
   </p:clrMapOvr>
-  <p:transition>
+  <p:transition xmlns:p14="http://schemas.microsoft.com/office/powerpoint/2010/main">
     <p:fade/>
   </p:transition>
 </p:sldLayout>
@@ -7797,13 +7797,13 @@
   <p:clrMapOvr>
     <a:masterClrMapping/>
   </p:clrMapOvr>
-  <p:transition>
+  <p:transition xmlns:p14="http://schemas.microsoft.com/office/powerpoint/2010/main">
     <p:fade/>
   </p:transition>
   <p:timing>
     <p:tnLst>
       <p:par>
-        <p:cTn id="1" dur="indefinite" restart="never" nodeType="tmRoot"/>
+        <p:cTn xmlns:p14="http://schemas.microsoft.com/office/powerpoint/2010/main" id="1" dur="indefinite" restart="never" nodeType="tmRoot"/>
       </p:par>
     </p:tnLst>
   </p:timing>
@@ -7977,13 +7977,13 @@
   <p:clrMapOvr>
     <a:masterClrMapping/>
   </p:clrMapOvr>
-  <p:transition>
+  <p:transition xmlns:p14="http://schemas.microsoft.com/office/powerpoint/2010/main">
     <p:fade/>
   </p:transition>
   <p:timing>
     <p:tnLst>
       <p:par>
-        <p:cTn id="1" dur="indefinite" restart="never" nodeType="tmRoot"/>
+        <p:cTn xmlns:p14="http://schemas.microsoft.com/office/powerpoint/2010/main" id="1" dur="indefinite" restart="never" nodeType="tmRoot"/>
       </p:par>
     </p:tnLst>
   </p:timing>
@@ -8259,7 +8259,7 @@
   <p:clrMapOvr>
     <a:masterClrMapping/>
   </p:clrMapOvr>
-  <p:transition>
+  <p:transition xmlns:p14="http://schemas.microsoft.com/office/powerpoint/2010/main">
     <p:fade/>
   </p:transition>
 </p:sldLayout>
@@ -8534,7 +8534,7 @@
   <p:clrMapOvr>
     <a:masterClrMapping/>
   </p:clrMapOvr>
-  <p:transition>
+  <p:transition xmlns:p14="http://schemas.microsoft.com/office/powerpoint/2010/main">
     <p:fade/>
   </p:transition>
 </p:sldLayout>
@@ -8809,7 +8809,7 @@
   <p:clrMapOvr>
     <a:masterClrMapping/>
   </p:clrMapOvr>
-  <p:transition>
+  <p:transition xmlns:p14="http://schemas.microsoft.com/office/powerpoint/2010/main">
     <p:fade/>
   </p:transition>
 </p:sldLayout>
@@ -8931,7 +8931,7 @@
   <p:clrMapOvr>
     <a:masterClrMapping/>
   </p:clrMapOvr>
-  <p:transition>
+  <p:transition xmlns:p14="http://schemas.microsoft.com/office/powerpoint/2010/main">
     <p:fade/>
   </p:transition>
 </p:sldLayout>
@@ -9108,7 +9108,7 @@
   <p:clrMapOvr>
     <a:masterClrMapping/>
   </p:clrMapOvr>
-  <p:transition>
+  <p:transition xmlns:p14="http://schemas.microsoft.com/office/powerpoint/2010/main">
     <p:fade/>
   </p:transition>
 </p:sldLayout>
@@ -9269,13 +9269,13 @@
     <p:sldLayoutId id="2147483678" r:id="rId18"/>
     <p:sldLayoutId id="2147483679" r:id="rId19"/>
   </p:sldLayoutIdLst>
-  <p:transition>
+  <p:transition xmlns:p14="http://schemas.microsoft.com/office/powerpoint/2010/main">
     <p:fade/>
   </p:transition>
   <p:timing>
     <p:tnLst>
       <p:par>
-        <p:cTn id="1" dur="indefinite" restart="never" nodeType="tmRoot"/>
+        <p:cTn xmlns:p14="http://schemas.microsoft.com/office/powerpoint/2010/main" id="1" dur="indefinite" restart="never" nodeType="tmRoot"/>
       </p:par>
     </p:tnLst>
   </p:timing>
@@ -9756,13 +9756,13 @@
     <p:sldLayoutId id="2147483681" r:id="rId1"/>
     <p:sldLayoutId id="2147483704" r:id="rId2"/>
   </p:sldLayoutIdLst>
-  <p:transition>
+  <p:transition xmlns:p14="http://schemas.microsoft.com/office/powerpoint/2010/main">
     <p:fade/>
   </p:transition>
   <p:timing>
     <p:tnLst>
       <p:par>
-        <p:cTn id="1" dur="indefinite" restart="never" nodeType="tmRoot"/>
+        <p:cTn xmlns:p14="http://schemas.microsoft.com/office/powerpoint/2010/main" id="1" dur="indefinite" restart="never" nodeType="tmRoot"/>
       </p:par>
     </p:tnLst>
   </p:timing>
@@ -10238,13 +10238,13 @@
     <p:sldLayoutId id="2147483700" r:id="rId18"/>
     <p:sldLayoutId id="2147483701" r:id="rId19"/>
   </p:sldLayoutIdLst>
-  <p:transition>
+  <p:transition xmlns:p14="http://schemas.microsoft.com/office/powerpoint/2010/main">
     <p:fade/>
   </p:transition>
   <p:timing>
     <p:tnLst>
       <p:par>
-        <p:cTn id="1" dur="indefinite" restart="never" nodeType="tmRoot"/>
+        <p:cTn xmlns:p14="http://schemas.microsoft.com/office/powerpoint/2010/main" id="1" dur="indefinite" restart="never" nodeType="tmRoot"/>
       </p:par>
     </p:tnLst>
   </p:timing>
@@ -10724,13 +10724,13 @@
   <p:sldLayoutIdLst>
     <p:sldLayoutId id="2147483703" r:id="rId1"/>
   </p:sldLayoutIdLst>
-  <p:transition>
+  <p:transition xmlns:p14="http://schemas.microsoft.com/office/powerpoint/2010/main">
     <p:fade/>
   </p:transition>
   <p:timing>
     <p:tnLst>
       <p:par>
-        <p:cTn id="1" dur="indefinite" restart="never" nodeType="tmRoot"/>
+        <p:cTn xmlns:p14="http://schemas.microsoft.com/office/powerpoint/2010/main" id="1" dur="indefinite" restart="never" nodeType="tmRoot"/>
       </p:par>
     </p:tnLst>
   </p:timing>
@@ -11105,7 +11105,7 @@
                 <a:ea typeface="+mn-ea"/>
                 <a:cs typeface="Arial" charset="0"/>
               </a:rPr>
-              <a:t>HTML5 Core*</a:t>
+              <a:t>Responsible Web Design*</a:t>
             </a:r>
             <a:endParaRPr lang="en-US" dirty="0"/>
           </a:p>
@@ -11157,7 +11157,7 @@
   <p:clrMapOvr>
     <a:masterClrMapping/>
   </p:clrMapOvr>
-  <p:transition>
+  <p:transition xmlns:p14="http://schemas.microsoft.com/office/powerpoint/2010/main">
     <p:fade/>
   </p:transition>
 </p:sld>
@@ -11265,7 +11265,7 @@
   <p:clrMapOvr>
     <a:masterClrMapping/>
   </p:clrMapOvr>
-  <p:transition>
+  <p:transition xmlns:p14="http://schemas.microsoft.com/office/powerpoint/2010/main">
     <p:fade/>
   </p:transition>
 </p:sld>
@@ -11399,7 +11399,7 @@
   <p:clrMapOvr>
     <a:masterClrMapping/>
   </p:clrMapOvr>
-  <p:transition>
+  <p:transition xmlns:p14="http://schemas.microsoft.com/office/powerpoint/2010/main">
     <p:fade/>
   </p:transition>
 </p:sld>
@@ -11504,13 +11504,13 @@
   <p:clrMapOvr>
     <a:masterClrMapping/>
   </p:clrMapOvr>
-  <p:transition>
+  <p:transition xmlns:p14="http://schemas.microsoft.com/office/powerpoint/2010/main">
     <p:fade/>
   </p:transition>
   <p:timing>
     <p:tnLst>
       <p:par>
-        <p:cTn id="1" dur="indefinite" restart="never" nodeType="tmRoot"/>
+        <p:cTn xmlns:p14="http://schemas.microsoft.com/office/powerpoint/2010/main" id="1" dur="indefinite" restart="never" nodeType="tmRoot"/>
       </p:par>
     </p:tnLst>
   </p:timing>
@@ -11619,7 +11619,7 @@
   <p:clrMapOvr>
     <a:masterClrMapping/>
   </p:clrMapOvr>
-  <p:transition>
+  <p:transition xmlns:p14="http://schemas.microsoft.com/office/powerpoint/2010/main">
     <p:fade/>
   </p:transition>
 </p:sld>
@@ -11728,13 +11728,13 @@
   <p:clrMapOvr>
     <a:masterClrMapping/>
   </p:clrMapOvr>
-  <p:transition>
+  <p:transition xmlns:p14="http://schemas.microsoft.com/office/powerpoint/2010/main">
     <p:fade/>
   </p:transition>
   <p:timing>
     <p:tnLst>
       <p:par>
-        <p:cTn id="1" dur="indefinite" restart="never" nodeType="tmRoot"/>
+        <p:cTn xmlns:p14="http://schemas.microsoft.com/office/powerpoint/2010/main" id="1" dur="indefinite" restart="never" nodeType="tmRoot"/>
       </p:par>
     </p:tnLst>
   </p:timing>
@@ -12393,13 +12393,13 @@
   <p:clrMapOvr>
     <a:masterClrMapping/>
   </p:clrMapOvr>
-  <p:transition>
+  <p:transition xmlns:p14="http://schemas.microsoft.com/office/powerpoint/2010/main">
     <p:fade/>
   </p:transition>
   <p:timing>
     <p:tnLst>
       <p:par>
-        <p:cTn id="1" dur="indefinite" restart="never" nodeType="tmRoot"/>
+        <p:cTn xmlns:p14="http://schemas.microsoft.com/office/powerpoint/2010/main" id="1" dur="indefinite" restart="never" nodeType="tmRoot"/>
       </p:par>
     </p:tnLst>
   </p:timing>
@@ -12456,13 +12456,13 @@
   <p:clrMapOvr>
     <a:masterClrMapping/>
   </p:clrMapOvr>
-  <p:transition>
+  <p:transition xmlns:p14="http://schemas.microsoft.com/office/powerpoint/2010/main">
     <p:fade/>
   </p:transition>
   <p:timing>
     <p:tnLst>
       <p:par>
-        <p:cTn id="1" dur="indefinite" restart="never" nodeType="tmRoot"/>
+        <p:cTn xmlns:p14="http://schemas.microsoft.com/office/powerpoint/2010/main" id="1" dur="indefinite" restart="never" nodeType="tmRoot"/>
       </p:par>
     </p:tnLst>
   </p:timing>

--- a/6-Responsible Web Design/ResponsibleWebDesign.pptx
+++ b/6-Responsible Web Design/ResponsibleWebDesign.pptx
@@ -8,7 +8,7 @@
     <p:sldMasterId id="2147483702" r:id="rId4"/>
   </p:sldMasterIdLst>
   <p:notesMasterIdLst>
-    <p:notesMasterId r:id="rId13"/>
+    <p:notesMasterId r:id="rId14"/>
   </p:notesMasterIdLst>
   <p:sldIdLst>
     <p:sldId id="256" r:id="rId5"/>
@@ -16,9 +16,10 @@
     <p:sldId id="258" r:id="rId7"/>
     <p:sldId id="259" r:id="rId8"/>
     <p:sldId id="257" r:id="rId9"/>
-    <p:sldId id="261" r:id="rId10"/>
-    <p:sldId id="262" r:id="rId11"/>
-    <p:sldId id="263" r:id="rId12"/>
+    <p:sldId id="264" r:id="rId10"/>
+    <p:sldId id="261" r:id="rId11"/>
+    <p:sldId id="262" r:id="rId12"/>
+    <p:sldId id="263" r:id="rId13"/>
   </p:sldIdLst>
   <p:sldSz cx="9144000" cy="6858000" type="screen4x3"/>
   <p:notesSz cx="6858000" cy="9144000"/>
@@ -202,7 +203,7 @@
           <a:p>
             <a:fld id="{D1EA0DBE-4458-7349-8DB4-B45B1B6487F3}" type="datetimeFigureOut">
               <a:rPr lang="en-US" smtClean="0"/>
-              <a:t>1/9/12</a:t>
+              <a:t>1/11/2012</a:t>
             </a:fld>
             <a:endParaRPr lang="en-US"/>
           </a:p>
@@ -554,6 +555,90 @@
 </p:notes>
 </file>
 
+<file path=ppt/notesSlides/notesSlide2.xml><?xml version="1.0" encoding="utf-8"?>
+<p:notes xmlns:a="http://schemas.openxmlformats.org/drawingml/2006/main" xmlns:r="http://schemas.openxmlformats.org/officeDocument/2006/relationships" xmlns:p="http://schemas.openxmlformats.org/presentationml/2006/main">
+  <p:cSld>
+    <p:spTree>
+      <p:nvGrpSpPr>
+        <p:cNvPr id="1" name=""/>
+        <p:cNvGrpSpPr/>
+        <p:nvPr/>
+      </p:nvGrpSpPr>
+      <p:grpSpPr>
+        <a:xfrm>
+          <a:off x="0" y="0"/>
+          <a:ext cx="0" cy="0"/>
+          <a:chOff x="0" y="0"/>
+          <a:chExt cx="0" cy="0"/>
+        </a:xfrm>
+      </p:grpSpPr>
+      <p:sp>
+        <p:nvSpPr>
+          <p:cNvPr id="2" name="Slide Image Placeholder 1"/>
+          <p:cNvSpPr>
+            <a:spLocks noGrp="1" noRot="1" noChangeAspect="1"/>
+          </p:cNvSpPr>
+          <p:nvPr>
+            <p:ph type="sldImg"/>
+          </p:nvPr>
+        </p:nvSpPr>
+        <p:spPr/>
+      </p:sp>
+      <p:sp>
+        <p:nvSpPr>
+          <p:cNvPr id="3" name="Notes Placeholder 2"/>
+          <p:cNvSpPr>
+            <a:spLocks noGrp="1"/>
+          </p:cNvSpPr>
+          <p:nvPr>
+            <p:ph type="body" idx="1"/>
+          </p:nvPr>
+        </p:nvSpPr>
+        <p:spPr/>
+        <p:txBody>
+          <a:bodyPr/>
+          <a:lstStyle/>
+          <a:p>
+            <a:endParaRPr lang="en-US" dirty="0"/>
+          </a:p>
+        </p:txBody>
+      </p:sp>
+      <p:sp>
+        <p:nvSpPr>
+          <p:cNvPr id="4" name="Slide Number Placeholder 3"/>
+          <p:cNvSpPr>
+            <a:spLocks noGrp="1"/>
+          </p:cNvSpPr>
+          <p:nvPr>
+            <p:ph type="sldNum" sz="quarter" idx="10"/>
+          </p:nvPr>
+        </p:nvSpPr>
+        <p:spPr/>
+        <p:txBody>
+          <a:bodyPr/>
+          <a:lstStyle/>
+          <a:p>
+            <a:fld id="{3CF65C51-ACD0-EB42-9E75-DB57B27F6178}" type="slidenum">
+              <a:rPr lang="en-US" smtClean="0"/>
+              <a:t>6</a:t>
+            </a:fld>
+            <a:endParaRPr lang="en-US"/>
+          </a:p>
+        </p:txBody>
+      </p:sp>
+    </p:spTree>
+    <p:extLst>
+      <p:ext uri="{BB962C8B-B14F-4D97-AF65-F5344CB8AC3E}">
+        <p14:creationId xmlns:p14="http://schemas.microsoft.com/office/powerpoint/2010/main" val="2126925235"/>
+      </p:ext>
+    </p:extLst>
+  </p:cSld>
+  <p:clrMapOvr>
+    <a:masterClrMapping/>
+  </p:clrMapOvr>
+</p:notes>
+</file>
+
 <file path=ppt/slideLayouts/slideLayout1.xml><?xml version="1.0" encoding="utf-8"?>
 <p:sldLayout xmlns:a="http://schemas.openxmlformats.org/drawingml/2006/main" xmlns:r="http://schemas.openxmlformats.org/officeDocument/2006/relationships" xmlns:p="http://schemas.openxmlformats.org/presentationml/2006/main" type="title" preserve="1">
   <p:cSld name="7_Title Slide">
@@ -765,13 +850,13 @@
   <p:clrMapOvr>
     <a:masterClrMapping/>
   </p:clrMapOvr>
-  <p:transition xmlns:p14="http://schemas.microsoft.com/office/powerpoint/2010/main">
+  <p:transition>
     <p:fade/>
   </p:transition>
   <p:timing>
     <p:tnLst>
       <p:par>
-        <p:cTn xmlns:p14="http://schemas.microsoft.com/office/powerpoint/2010/main" id="1" dur="indefinite" restart="never" nodeType="tmRoot"/>
+        <p:cTn id="1" dur="indefinite" restart="never" nodeType="tmRoot"/>
       </p:par>
     </p:tnLst>
   </p:timing>
@@ -940,7 +1025,7 @@
   <p:clrMapOvr>
     <a:masterClrMapping/>
   </p:clrMapOvr>
-  <p:transition xmlns:p14="http://schemas.microsoft.com/office/powerpoint/2010/main">
+  <p:transition>
     <p:fade/>
   </p:transition>
 </p:sldLayout>
@@ -1240,13 +1325,13 @@
   <p:clrMapOvr>
     <a:masterClrMapping/>
   </p:clrMapOvr>
-  <p:transition xmlns:p14="http://schemas.microsoft.com/office/powerpoint/2010/main">
+  <p:transition>
     <p:fade/>
   </p:transition>
   <p:timing>
     <p:tnLst>
       <p:par>
-        <p:cTn xmlns:p14="http://schemas.microsoft.com/office/powerpoint/2010/main" id="1" dur="indefinite" restart="never" nodeType="tmRoot"/>
+        <p:cTn id="1" dur="indefinite" restart="never" nodeType="tmRoot"/>
       </p:par>
     </p:tnLst>
   </p:timing>
@@ -1659,7 +1744,7 @@
   <p:clrMapOvr>
     <a:masterClrMapping/>
   </p:clrMapOvr>
-  <p:transition xmlns:p14="http://schemas.microsoft.com/office/powerpoint/2010/main">
+  <p:transition>
     <p:fade/>
   </p:transition>
 </p:sldLayout>
@@ -1719,13 +1804,13 @@
   <p:clrMapOvr>
     <a:masterClrMapping/>
   </p:clrMapOvr>
-  <p:transition xmlns:p14="http://schemas.microsoft.com/office/powerpoint/2010/main">
+  <p:transition>
     <p:fade/>
   </p:transition>
   <p:timing>
     <p:tnLst>
       <p:par>
-        <p:cTn xmlns:p14="http://schemas.microsoft.com/office/powerpoint/2010/main" id="1" dur="indefinite" restart="never" nodeType="tmRoot"/>
+        <p:cTn id="1" dur="indefinite" restart="never" nodeType="tmRoot"/>
       </p:par>
     </p:tnLst>
   </p:timing>
@@ -1759,7 +1844,7 @@
   <p:clrMapOvr>
     <a:masterClrMapping/>
   </p:clrMapOvr>
-  <p:transition xmlns:p14="http://schemas.microsoft.com/office/powerpoint/2010/main">
+  <p:transition>
     <p:fade/>
   </p:transition>
 </p:sldLayout>
@@ -1806,13 +1891,13 @@
   <p:clrMapOvr>
     <a:masterClrMapping/>
   </p:clrMapOvr>
-  <p:transition xmlns:p14="http://schemas.microsoft.com/office/powerpoint/2010/main">
+  <p:transition>
     <p:fade/>
   </p:transition>
   <p:timing>
     <p:tnLst>
       <p:par>
-        <p:cTn xmlns:p14="http://schemas.microsoft.com/office/powerpoint/2010/main" id="1" dur="indefinite" restart="never" nodeType="tmRoot"/>
+        <p:cTn id="1" dur="indefinite" restart="never" nodeType="tmRoot"/>
       </p:par>
     </p:tnLst>
   </p:timing>
@@ -1865,13 +1950,13 @@
   <p:clrMapOvr>
     <a:masterClrMapping/>
   </p:clrMapOvr>
-  <p:transition xmlns:p14="http://schemas.microsoft.com/office/powerpoint/2010/main">
+  <p:transition>
     <p:fade/>
   </p:transition>
   <p:timing>
     <p:tnLst>
       <p:par>
-        <p:cTn xmlns:p14="http://schemas.microsoft.com/office/powerpoint/2010/main" id="1" dur="indefinite" restart="never" nodeType="tmRoot"/>
+        <p:cTn id="1" dur="indefinite" restart="never" nodeType="tmRoot"/>
       </p:par>
     </p:tnLst>
   </p:timing>
@@ -2116,7 +2201,7 @@
   <p:clrMapOvr>
     <a:masterClrMapping/>
   </p:clrMapOvr>
-  <p:transition xmlns:p14="http://schemas.microsoft.com/office/powerpoint/2010/main">
+  <p:transition>
     <p:fade/>
   </p:transition>
 </p:sldLayout>
@@ -2412,7 +2497,7 @@
   <p:clrMapOvr>
     <a:masterClrMapping/>
   </p:clrMapOvr>
-  <p:transition xmlns:p14="http://schemas.microsoft.com/office/powerpoint/2010/main">
+  <p:transition>
     <p:fade/>
   </p:transition>
 </p:sldLayout>
@@ -2580,13 +2665,13 @@
   <p:clrMapOvr>
     <a:masterClrMapping/>
   </p:clrMapOvr>
-  <p:transition xmlns:p14="http://schemas.microsoft.com/office/powerpoint/2010/main">
+  <p:transition>
     <p:fade/>
   </p:transition>
   <p:timing>
     <p:tnLst>
       <p:par>
-        <p:cTn xmlns:p14="http://schemas.microsoft.com/office/powerpoint/2010/main" id="1" dur="indefinite" restart="never" nodeType="tmRoot"/>
+        <p:cTn id="1" dur="indefinite" restart="never" nodeType="tmRoot"/>
       </p:par>
     </p:tnLst>
   </p:timing>
@@ -2862,7 +2947,7 @@
   <p:clrMapOvr>
     <a:masterClrMapping/>
   </p:clrMapOvr>
-  <p:transition xmlns:p14="http://schemas.microsoft.com/office/powerpoint/2010/main">
+  <p:transition>
     <p:fade/>
   </p:transition>
 </p:sldLayout>
@@ -3035,13 +3120,13 @@
   <p:clrMapOvr>
     <a:masterClrMapping/>
   </p:clrMapOvr>
-  <p:transition xmlns:p14="http://schemas.microsoft.com/office/powerpoint/2010/main">
+  <p:transition>
     <p:fade/>
   </p:transition>
   <p:timing>
     <p:tnLst>
       <p:par>
-        <p:cTn xmlns:p14="http://schemas.microsoft.com/office/powerpoint/2010/main" id="1" dur="indefinite" restart="never" nodeType="tmRoot"/>
+        <p:cTn id="1" dur="indefinite" restart="never" nodeType="tmRoot"/>
       </p:par>
     </p:tnLst>
   </p:timing>
@@ -3259,13 +3344,13 @@
   <p:clrMapOvr>
     <a:masterClrMapping/>
   </p:clrMapOvr>
-  <p:transition xmlns:p14="http://schemas.microsoft.com/office/powerpoint/2010/main">
+  <p:transition>
     <p:fade/>
   </p:transition>
   <p:timing>
     <p:tnLst>
       <p:par>
-        <p:cTn xmlns:p14="http://schemas.microsoft.com/office/powerpoint/2010/main" id="1" dur="indefinite" restart="never" nodeType="tmRoot"/>
+        <p:cTn id="1" dur="indefinite" restart="never" nodeType="tmRoot"/>
       </p:par>
     </p:tnLst>
   </p:timing>
@@ -3483,13 +3568,13 @@
   <p:clrMapOvr>
     <a:masterClrMapping/>
   </p:clrMapOvr>
-  <p:transition xmlns:p14="http://schemas.microsoft.com/office/powerpoint/2010/main">
+  <p:transition>
     <p:fade/>
   </p:transition>
   <p:timing>
     <p:tnLst>
       <p:par>
-        <p:cTn xmlns:p14="http://schemas.microsoft.com/office/powerpoint/2010/main" id="1" dur="indefinite" restart="never" nodeType="tmRoot"/>
+        <p:cTn id="1" dur="indefinite" restart="never" nodeType="tmRoot"/>
       </p:par>
     </p:tnLst>
   </p:timing>
@@ -3765,7 +3850,7 @@
   <p:clrMapOvr>
     <a:masterClrMapping/>
   </p:clrMapOvr>
-  <p:transition xmlns:p14="http://schemas.microsoft.com/office/powerpoint/2010/main">
+  <p:transition>
     <p:fade/>
   </p:transition>
 </p:sldLayout>
@@ -4040,7 +4125,7 @@
   <p:clrMapOvr>
     <a:masterClrMapping/>
   </p:clrMapOvr>
-  <p:transition xmlns:p14="http://schemas.microsoft.com/office/powerpoint/2010/main">
+  <p:transition>
     <p:fade/>
   </p:transition>
 </p:sldLayout>
@@ -4315,7 +4400,7 @@
   <p:clrMapOvr>
     <a:masterClrMapping/>
   </p:clrMapOvr>
-  <p:transition xmlns:p14="http://schemas.microsoft.com/office/powerpoint/2010/main">
+  <p:transition>
     <p:fade/>
   </p:transition>
 </p:sldLayout>
@@ -4590,7 +4675,7 @@
   <p:clrMapOvr>
     <a:masterClrMapping/>
   </p:clrMapOvr>
-  <p:transition xmlns:p14="http://schemas.microsoft.com/office/powerpoint/2010/main">
+  <p:transition>
     <p:fade/>
   </p:transition>
 </p:sldLayout>
@@ -4865,7 +4950,7 @@
   <p:clrMapOvr>
     <a:masterClrMapping/>
   </p:clrMapOvr>
-  <p:transition xmlns:p14="http://schemas.microsoft.com/office/powerpoint/2010/main">
+  <p:transition>
     <p:fade/>
   </p:transition>
 </p:sldLayout>
@@ -5140,7 +5225,7 @@
   <p:clrMapOvr>
     <a:masterClrMapping/>
   </p:clrMapOvr>
-  <p:transition xmlns:p14="http://schemas.microsoft.com/office/powerpoint/2010/main">
+  <p:transition>
     <p:fade/>
   </p:transition>
 </p:sldLayout>
@@ -5262,7 +5347,7 @@
   <p:clrMapOvr>
     <a:masterClrMapping/>
   </p:clrMapOvr>
-  <p:transition xmlns:p14="http://schemas.microsoft.com/office/powerpoint/2010/main">
+  <p:transition>
     <p:fade/>
   </p:transition>
 </p:sldLayout>
@@ -5537,7 +5622,7 @@
   <p:clrMapOvr>
     <a:masterClrMapping/>
   </p:clrMapOvr>
-  <p:transition xmlns:p14="http://schemas.microsoft.com/office/powerpoint/2010/main">
+  <p:transition>
     <p:fade/>
   </p:transition>
 </p:sldLayout>
@@ -5714,7 +5799,7 @@
   <p:clrMapOvr>
     <a:masterClrMapping/>
   </p:clrMapOvr>
-  <p:transition xmlns:p14="http://schemas.microsoft.com/office/powerpoint/2010/main">
+  <p:transition>
     <p:fade/>
   </p:transition>
 </p:sldLayout>
@@ -5882,7 +5967,7 @@
   <p:clrMapOvr>
     <a:masterClrMapping/>
   </p:clrMapOvr>
-  <p:transition xmlns:p14="http://schemas.microsoft.com/office/powerpoint/2010/main">
+  <p:transition>
     <p:fade/>
   </p:transition>
 </p:sldLayout>
@@ -6182,13 +6267,13 @@
   <p:clrMapOvr>
     <a:masterClrMapping/>
   </p:clrMapOvr>
-  <p:transition xmlns:p14="http://schemas.microsoft.com/office/powerpoint/2010/main">
+  <p:transition>
     <p:fade/>
   </p:transition>
   <p:timing>
     <p:tnLst>
       <p:par>
-        <p:cTn xmlns:p14="http://schemas.microsoft.com/office/powerpoint/2010/main" id="1" dur="indefinite" restart="never" nodeType="tmRoot"/>
+        <p:cTn id="1" dur="indefinite" restart="never" nodeType="tmRoot"/>
       </p:par>
     </p:tnLst>
   </p:timing>
@@ -6601,7 +6686,7 @@
   <p:clrMapOvr>
     <a:masterClrMapping/>
   </p:clrMapOvr>
-  <p:transition xmlns:p14="http://schemas.microsoft.com/office/powerpoint/2010/main">
+  <p:transition>
     <p:fade/>
   </p:transition>
 </p:sldLayout>
@@ -6661,13 +6746,13 @@
   <p:clrMapOvr>
     <a:masterClrMapping/>
   </p:clrMapOvr>
-  <p:transition xmlns:p14="http://schemas.microsoft.com/office/powerpoint/2010/main">
+  <p:transition>
     <p:fade/>
   </p:transition>
   <p:timing>
     <p:tnLst>
       <p:par>
-        <p:cTn xmlns:p14="http://schemas.microsoft.com/office/powerpoint/2010/main" id="1" dur="indefinite" restart="never" nodeType="tmRoot"/>
+        <p:cTn id="1" dur="indefinite" restart="never" nodeType="tmRoot"/>
       </p:par>
     </p:tnLst>
   </p:timing>
@@ -6701,7 +6786,7 @@
   <p:clrMapOvr>
     <a:masterClrMapping/>
   </p:clrMapOvr>
-  <p:transition xmlns:p14="http://schemas.microsoft.com/office/powerpoint/2010/main">
+  <p:transition>
     <p:fade/>
   </p:transition>
 </p:sldLayout>
@@ -6748,13 +6833,13 @@
   <p:clrMapOvr>
     <a:masterClrMapping/>
   </p:clrMapOvr>
-  <p:transition xmlns:p14="http://schemas.microsoft.com/office/powerpoint/2010/main">
+  <p:transition>
     <p:fade/>
   </p:transition>
   <p:timing>
     <p:tnLst>
       <p:par>
-        <p:cTn xmlns:p14="http://schemas.microsoft.com/office/powerpoint/2010/main" id="1" dur="indefinite" restart="never" nodeType="tmRoot"/>
+        <p:cTn id="1" dur="indefinite" restart="never" nodeType="tmRoot"/>
       </p:par>
     </p:tnLst>
   </p:timing>
@@ -6807,13 +6892,13 @@
   <p:clrMapOvr>
     <a:masterClrMapping/>
   </p:clrMapOvr>
-  <p:transition xmlns:p14="http://schemas.microsoft.com/office/powerpoint/2010/main">
+  <p:transition>
     <p:fade/>
   </p:transition>
   <p:timing>
     <p:tnLst>
       <p:par>
-        <p:cTn xmlns:p14="http://schemas.microsoft.com/office/powerpoint/2010/main" id="1" dur="indefinite" restart="never" nodeType="tmRoot"/>
+        <p:cTn id="1" dur="indefinite" restart="never" nodeType="tmRoot"/>
       </p:par>
     </p:tnLst>
   </p:timing>
@@ -7058,7 +7143,7 @@
   <p:clrMapOvr>
     <a:masterClrMapping/>
   </p:clrMapOvr>
-  <p:transition xmlns:p14="http://schemas.microsoft.com/office/powerpoint/2010/main">
+  <p:transition>
     <p:fade/>
   </p:transition>
 </p:sldLayout>
@@ -7354,7 +7439,7 @@
   <p:clrMapOvr>
     <a:masterClrMapping/>
   </p:clrMapOvr>
-  <p:transition xmlns:p14="http://schemas.microsoft.com/office/powerpoint/2010/main">
+  <p:transition>
     <p:fade/>
   </p:transition>
 </p:sldLayout>
@@ -7629,7 +7714,7 @@
   <p:clrMapOvr>
     <a:masterClrMapping/>
   </p:clrMapOvr>
-  <p:transition xmlns:p14="http://schemas.microsoft.com/office/powerpoint/2010/main">
+  <p:transition>
     <p:fade/>
   </p:transition>
 </p:sldLayout>
@@ -7797,13 +7882,13 @@
   <p:clrMapOvr>
     <a:masterClrMapping/>
   </p:clrMapOvr>
-  <p:transition xmlns:p14="http://schemas.microsoft.com/office/powerpoint/2010/main">
+  <p:transition>
     <p:fade/>
   </p:transition>
   <p:timing>
     <p:tnLst>
       <p:par>
-        <p:cTn xmlns:p14="http://schemas.microsoft.com/office/powerpoint/2010/main" id="1" dur="indefinite" restart="never" nodeType="tmRoot"/>
+        <p:cTn id="1" dur="indefinite" restart="never" nodeType="tmRoot"/>
       </p:par>
     </p:tnLst>
   </p:timing>
@@ -7977,13 +8062,13 @@
   <p:clrMapOvr>
     <a:masterClrMapping/>
   </p:clrMapOvr>
-  <p:transition xmlns:p14="http://schemas.microsoft.com/office/powerpoint/2010/main">
+  <p:transition>
     <p:fade/>
   </p:transition>
   <p:timing>
     <p:tnLst>
       <p:par>
-        <p:cTn xmlns:p14="http://schemas.microsoft.com/office/powerpoint/2010/main" id="1" dur="indefinite" restart="never" nodeType="tmRoot"/>
+        <p:cTn id="1" dur="indefinite" restart="never" nodeType="tmRoot"/>
       </p:par>
     </p:tnLst>
   </p:timing>
@@ -8259,7 +8344,7 @@
   <p:clrMapOvr>
     <a:masterClrMapping/>
   </p:clrMapOvr>
-  <p:transition xmlns:p14="http://schemas.microsoft.com/office/powerpoint/2010/main">
+  <p:transition>
     <p:fade/>
   </p:transition>
 </p:sldLayout>
@@ -8534,7 +8619,7 @@
   <p:clrMapOvr>
     <a:masterClrMapping/>
   </p:clrMapOvr>
-  <p:transition xmlns:p14="http://schemas.microsoft.com/office/powerpoint/2010/main">
+  <p:transition>
     <p:fade/>
   </p:transition>
 </p:sldLayout>
@@ -8809,7 +8894,7 @@
   <p:clrMapOvr>
     <a:masterClrMapping/>
   </p:clrMapOvr>
-  <p:transition xmlns:p14="http://schemas.microsoft.com/office/powerpoint/2010/main">
+  <p:transition>
     <p:fade/>
   </p:transition>
 </p:sldLayout>
@@ -8931,7 +9016,7 @@
   <p:clrMapOvr>
     <a:masterClrMapping/>
   </p:clrMapOvr>
-  <p:transition xmlns:p14="http://schemas.microsoft.com/office/powerpoint/2010/main">
+  <p:transition>
     <p:fade/>
   </p:transition>
 </p:sldLayout>
@@ -9108,7 +9193,7 @@
   <p:clrMapOvr>
     <a:masterClrMapping/>
   </p:clrMapOvr>
-  <p:transition xmlns:p14="http://schemas.microsoft.com/office/powerpoint/2010/main">
+  <p:transition>
     <p:fade/>
   </p:transition>
 </p:sldLayout>
@@ -9269,13 +9354,13 @@
     <p:sldLayoutId id="2147483678" r:id="rId18"/>
     <p:sldLayoutId id="2147483679" r:id="rId19"/>
   </p:sldLayoutIdLst>
-  <p:transition xmlns:p14="http://schemas.microsoft.com/office/powerpoint/2010/main">
+  <p:transition>
     <p:fade/>
   </p:transition>
   <p:timing>
     <p:tnLst>
       <p:par>
-        <p:cTn xmlns:p14="http://schemas.microsoft.com/office/powerpoint/2010/main" id="1" dur="indefinite" restart="never" nodeType="tmRoot"/>
+        <p:cTn id="1" dur="indefinite" restart="never" nodeType="tmRoot"/>
       </p:par>
     </p:tnLst>
   </p:timing>
@@ -9756,13 +9841,13 @@
     <p:sldLayoutId id="2147483681" r:id="rId1"/>
     <p:sldLayoutId id="2147483704" r:id="rId2"/>
   </p:sldLayoutIdLst>
-  <p:transition xmlns:p14="http://schemas.microsoft.com/office/powerpoint/2010/main">
+  <p:transition>
     <p:fade/>
   </p:transition>
   <p:timing>
     <p:tnLst>
       <p:par>
-        <p:cTn xmlns:p14="http://schemas.microsoft.com/office/powerpoint/2010/main" id="1" dur="indefinite" restart="never" nodeType="tmRoot"/>
+        <p:cTn id="1" dur="indefinite" restart="never" nodeType="tmRoot"/>
       </p:par>
     </p:tnLst>
   </p:timing>
@@ -10238,13 +10323,13 @@
     <p:sldLayoutId id="2147483700" r:id="rId18"/>
     <p:sldLayoutId id="2147483701" r:id="rId19"/>
   </p:sldLayoutIdLst>
-  <p:transition xmlns:p14="http://schemas.microsoft.com/office/powerpoint/2010/main">
+  <p:transition>
     <p:fade/>
   </p:transition>
   <p:timing>
     <p:tnLst>
       <p:par>
-        <p:cTn xmlns:p14="http://schemas.microsoft.com/office/powerpoint/2010/main" id="1" dur="indefinite" restart="never" nodeType="tmRoot"/>
+        <p:cTn id="1" dur="indefinite" restart="never" nodeType="tmRoot"/>
       </p:par>
     </p:tnLst>
   </p:timing>
@@ -10724,13 +10809,13 @@
   <p:sldLayoutIdLst>
     <p:sldLayoutId id="2147483703" r:id="rId1"/>
   </p:sldLayoutIdLst>
-  <p:transition xmlns:p14="http://schemas.microsoft.com/office/powerpoint/2010/main">
+  <p:transition>
     <p:fade/>
   </p:transition>
   <p:timing>
     <p:tnLst>
       <p:par>
-        <p:cTn xmlns:p14="http://schemas.microsoft.com/office/powerpoint/2010/main" id="1" dur="indefinite" restart="never" nodeType="tmRoot"/>
+        <p:cTn id="1" dur="indefinite" restart="never" nodeType="tmRoot"/>
       </p:par>
     </p:tnLst>
   </p:timing>
@@ -11157,7 +11242,7 @@
   <p:clrMapOvr>
     <a:masterClrMapping/>
   </p:clrMapOvr>
-  <p:transition xmlns:p14="http://schemas.microsoft.com/office/powerpoint/2010/main">
+  <p:transition>
     <p:fade/>
   </p:transition>
 </p:sld>
@@ -11193,7 +11278,7 @@
         <p:spPr>
           <a:xfrm>
             <a:off x="389436" y="228602"/>
-            <a:ext cx="8363938" cy="677108"/>
+            <a:ext cx="8363938" cy="664797"/>
           </a:xfrm>
         </p:spPr>
         <p:txBody>
@@ -11201,28 +11286,8 @@
           <a:lstStyle/>
           <a:p>
             <a:r>
-              <a:rPr lang="en-US" sz="4800" b="0" kern="1200" cap="none" spc="-100" baseline="0" dirty="0" smtClean="0">
-                <a:ln w="3175">
-                  <a:noFill/>
-                </a:ln>
-                <a:gradFill flip="none" rotWithShape="1">
-                  <a:gsLst>
-                    <a:gs pos="0">
-                      <a:schemeClr val="tx1"/>
-                    </a:gs>
-                    <a:gs pos="86000">
-                      <a:schemeClr val="tx1"/>
-                    </a:gs>
-                  </a:gsLst>
-                  <a:lin ang="5400000" scaled="0"/>
-                  <a:tileRect/>
-                </a:gradFill>
-                <a:effectLst/>
-                <a:latin typeface="+mj-lt"/>
-                <a:ea typeface="+mn-ea"/>
-                <a:cs typeface="Arial" charset="0"/>
-              </a:rPr>
-              <a:t>Module Topic</a:t>
+              <a:rPr lang="en-US" sz="4800" dirty="0" smtClean="0"/>
+              <a:t>Your Responsibility</a:t>
             </a:r>
             <a:endParaRPr lang="en-US" dirty="0"/>
           </a:p>
@@ -11240,18 +11305,52 @@
         </p:nvSpPr>
         <p:spPr>
           <a:xfrm>
-            <a:off x="389436" y="1447802"/>
-            <a:ext cx="8363938" cy="1337802"/>
+            <a:off x="389436" y="2174157"/>
+            <a:ext cx="8363938" cy="2609945"/>
           </a:xfrm>
         </p:spPr>
         <p:txBody>
           <a:bodyPr/>
           <a:lstStyle/>
           <a:p>
+            <a:pPr marL="0" indent="0" algn="ctr">
+              <a:buNone/>
+            </a:pPr>
             <a:r>
               <a:rPr lang="en-US" dirty="0" smtClean="0"/>
-              <a:t>A brief description of the technology group, and a screenshot of a major component or related image</a:t>
-            </a:r>
+              <a:t>Today is the age of feature detection. </a:t>
+            </a:r>
+          </a:p>
+          <a:p>
+            <a:pPr marL="0" indent="0" algn="ctr">
+              <a:buNone/>
+            </a:pPr>
+            <a:endParaRPr lang="en-US" dirty="0"/>
+          </a:p>
+          <a:p>
+            <a:pPr marL="0" indent="0" algn="ctr">
+              <a:buNone/>
+            </a:pPr>
+            <a:r>
+              <a:rPr lang="en-US" dirty="0" smtClean="0"/>
+              <a:t>Feature Detection != Browser Detection</a:t>
+            </a:r>
+          </a:p>
+          <a:p>
+            <a:pPr marL="0" indent="0" algn="ctr">
+              <a:buNone/>
+            </a:pPr>
+            <a:endParaRPr lang="en-US" dirty="0"/>
+          </a:p>
+          <a:p>
+            <a:pPr marL="0" indent="0" algn="ctr">
+              <a:buNone/>
+            </a:pPr>
+            <a:r>
+              <a:rPr lang="en-US" dirty="0" smtClean="0"/>
+              <a:t>It’s your responsibility!</a:t>
+            </a:r>
+            <a:endParaRPr lang="en-US" dirty="0" smtClean="0"/>
           </a:p>
         </p:txBody>
       </p:sp>
@@ -11265,7 +11364,7 @@
   <p:clrMapOvr>
     <a:masterClrMapping/>
   </p:clrMapOvr>
-  <p:transition xmlns:p14="http://schemas.microsoft.com/office/powerpoint/2010/main">
+  <p:transition>
     <p:fade/>
   </p:transition>
 </p:sld>
@@ -11349,7 +11448,7 @@
         <p:spPr>
           <a:xfrm>
             <a:off x="389436" y="1447802"/>
-            <a:ext cx="8363938" cy="2618153"/>
+            <a:ext cx="8363938" cy="1526572"/>
           </a:xfrm>
         </p:spPr>
         <p:txBody>
@@ -11358,34 +11457,31 @@
           <a:p>
             <a:r>
               <a:rPr lang="en-US" dirty="0" smtClean="0"/>
-              <a:t>Semantic Markup</a:t>
-            </a:r>
-          </a:p>
-          <a:p>
+              <a:t>Your Responsibility</a:t>
+            </a:r>
+            <a:endParaRPr lang="en-US" dirty="0" smtClean="0"/>
+          </a:p>
+          <a:p>
+            <a:r>
+              <a:rPr lang="en-US" dirty="0" err="1" smtClean="0"/>
+              <a:t>Polyfilling</a:t>
+            </a:r>
             <a:r>
               <a:rPr lang="en-US" dirty="0" smtClean="0"/>
-              <a:t>Audio and Video</a:t>
-            </a:r>
-          </a:p>
-          <a:p>
+              <a:t> It</a:t>
+            </a:r>
+            <a:endParaRPr lang="en-US" dirty="0" smtClean="0"/>
+          </a:p>
+          <a:p>
+            <a:r>
+              <a:rPr lang="en-US" dirty="0" smtClean="0"/>
+              <a:t>Using </a:t>
+            </a:r>
             <a:r>
               <a:rPr lang="en-US" dirty="0" err="1" smtClean="0"/>
-              <a:t>Microdata</a:t>
+              <a:t>Modernizr</a:t>
             </a:r>
             <a:endParaRPr lang="en-US" dirty="0" smtClean="0"/>
-          </a:p>
-          <a:p>
-            <a:r>
-              <a:rPr lang="en-US" dirty="0" smtClean="0"/>
-              <a:t>Data-*</a:t>
-            </a:r>
-          </a:p>
-          <a:p>
-            <a:r>
-              <a:rPr lang="en-US" dirty="0" smtClean="0"/>
-              <a:t>SVG</a:t>
-            </a:r>
-            <a:endParaRPr lang="en-US" dirty="0"/>
           </a:p>
         </p:txBody>
       </p:sp>
@@ -11399,7 +11495,7 @@
   <p:clrMapOvr>
     <a:masterClrMapping/>
   </p:clrMapOvr>
-  <p:transition xmlns:p14="http://schemas.microsoft.com/office/powerpoint/2010/main">
+  <p:transition>
     <p:fade/>
   </p:transition>
 </p:sld>
@@ -11504,13 +11600,13 @@
   <p:clrMapOvr>
     <a:masterClrMapping/>
   </p:clrMapOvr>
-  <p:transition xmlns:p14="http://schemas.microsoft.com/office/powerpoint/2010/main">
+  <p:transition>
     <p:fade/>
   </p:transition>
   <p:timing>
     <p:tnLst>
       <p:par>
-        <p:cTn xmlns:p14="http://schemas.microsoft.com/office/powerpoint/2010/main" id="1" dur="indefinite" restart="never" nodeType="tmRoot"/>
+        <p:cTn id="1" dur="indefinite" restart="never" nodeType="tmRoot"/>
       </p:par>
     </p:tnLst>
   </p:timing>
@@ -11594,18 +11690,37 @@
         </p:nvSpPr>
         <p:spPr>
           <a:xfrm>
-            <a:off x="389436" y="1447802"/>
-            <a:ext cx="8363938" cy="1337802"/>
+            <a:off x="390031" y="2654445"/>
+            <a:ext cx="8363938" cy="1526572"/>
           </a:xfrm>
         </p:spPr>
         <p:txBody>
           <a:bodyPr/>
           <a:lstStyle/>
           <a:p>
+            <a:pPr marL="0" indent="0" algn="ctr">
+              <a:buNone/>
+            </a:pPr>
             <a:r>
               <a:rPr lang="en-US" dirty="0" smtClean="0"/>
-              <a:t>A brief description of the technology in question, and maybe a screenshot of the feature in action</a:t>
-            </a:r>
+              <a:t>Just ask the browser!</a:t>
+            </a:r>
+          </a:p>
+          <a:p>
+            <a:pPr marL="0" indent="0" algn="ctr">
+              <a:buNone/>
+            </a:pPr>
+            <a:endParaRPr lang="en-US" dirty="0"/>
+          </a:p>
+          <a:p>
+            <a:pPr marL="0" indent="0" algn="ctr">
+              <a:buNone/>
+            </a:pPr>
+            <a:r>
+              <a:rPr lang="en-US" dirty="0" smtClean="0"/>
+              <a:t>Then deliver the right experience!</a:t>
+            </a:r>
+            <a:endParaRPr lang="en-US" dirty="0" smtClean="0"/>
           </a:p>
         </p:txBody>
       </p:sp>
@@ -11619,7 +11734,7 @@
   <p:clrMapOvr>
     <a:masterClrMapping/>
   </p:clrMapOvr>
-  <p:transition xmlns:p14="http://schemas.microsoft.com/office/powerpoint/2010/main">
+  <p:transition>
     <p:fade/>
   </p:transition>
 </p:sld>
@@ -11667,12 +11782,147 @@
                 <a:ln w="3175">
                   <a:noFill/>
                 </a:ln>
+                <a:gradFill flip="none" rotWithShape="1">
+                  <a:gsLst>
+                    <a:gs pos="0">
+                      <a:schemeClr val="tx1"/>
+                    </a:gs>
+                    <a:gs pos="86000">
+                      <a:schemeClr val="tx1"/>
+                    </a:gs>
+                  </a:gsLst>
+                  <a:lin ang="5400000" scaled="0"/>
+                  <a:tileRect/>
+                </a:gradFill>
+                <a:effectLst/>
+                <a:latin typeface="+mj-lt"/>
+                <a:ea typeface="+mn-ea"/>
+                <a:cs typeface="Arial" charset="0"/>
+              </a:rPr>
+              <a:t>Add a little Spackle</a:t>
+            </a:r>
+            <a:endParaRPr lang="en-US" dirty="0"/>
+          </a:p>
+        </p:txBody>
+      </p:sp>
+      <p:pic>
+        <p:nvPicPr>
+          <p:cNvPr id="2050" name="Picture 2" descr="C:\Users\csell\Downloads\IMG_1620.JPG"/>
+          <p:cNvPicPr>
+            <a:picLocks noChangeAspect="1" noChangeArrowheads="1"/>
+          </p:cNvPicPr>
+          <p:nvPr/>
+        </p:nvPicPr>
+        <p:blipFill>
+          <a:blip r:embed="rId3">
+            <a:extLst>
+              <a:ext uri="{28A0092B-C50C-407E-A947-70E740481C1C}">
+                <a14:useLocalDpi xmlns:a14="http://schemas.microsoft.com/office/drawing/2010/main" val="0"/>
+              </a:ext>
+            </a:extLst>
+          </a:blip>
+          <a:srcRect/>
+          <a:stretch>
+            <a:fillRect/>
+          </a:stretch>
+        </p:blipFill>
+        <p:spPr bwMode="auto">
+          <a:xfrm>
+            <a:off x="1272612" y="1619052"/>
+            <a:ext cx="6608190" cy="4956143"/>
+          </a:xfrm>
+          <a:prstGeom prst="rect">
+            <a:avLst/>
+          </a:prstGeom>
+          <a:ln>
+            <a:noFill/>
+          </a:ln>
+          <a:effectLst>
+            <a:softEdge rad="112500"/>
+          </a:effectLst>
+          <a:extLst>
+            <a:ext uri="{909E8E84-426E-40DD-AFC4-6F175D3DCCD1}">
+              <a14:hiddenFill xmlns:a14="http://schemas.microsoft.com/office/drawing/2010/main">
+                <a:solidFill>
+                  <a:srgbClr val="FFFFFF"/>
+                </a:solidFill>
+              </a14:hiddenFill>
+            </a:ext>
+          </a:extLst>
+        </p:spPr>
+      </p:pic>
+    </p:spTree>
+    <p:extLst>
+      <p:ext uri="{BB962C8B-B14F-4D97-AF65-F5344CB8AC3E}">
+        <p14:creationId xmlns:p14="http://schemas.microsoft.com/office/powerpoint/2010/main" val="3388697194"/>
+      </p:ext>
+    </p:extLst>
+  </p:cSld>
+  <p:clrMapOvr>
+    <a:masterClrMapping/>
+  </p:clrMapOvr>
+  <p:transition>
+    <p:fade/>
+  </p:transition>
+</p:sld>
+</file>
+
+<file path=ppt/slides/slide7.xml><?xml version="1.0" encoding="utf-8"?>
+<p:sld xmlns:a="http://schemas.openxmlformats.org/drawingml/2006/main" xmlns:r="http://schemas.openxmlformats.org/officeDocument/2006/relationships" xmlns:p="http://schemas.openxmlformats.org/presentationml/2006/main">
+  <p:cSld>
+    <p:spTree>
+      <p:nvGrpSpPr>
+        <p:cNvPr id="1" name=""/>
+        <p:cNvGrpSpPr/>
+        <p:nvPr/>
+      </p:nvGrpSpPr>
+      <p:grpSpPr>
+        <a:xfrm>
+          <a:off x="0" y="0"/>
+          <a:ext cx="0" cy="0"/>
+          <a:chOff x="0" y="0"/>
+          <a:chExt cx="0" cy="0"/>
+        </a:xfrm>
+      </p:grpSpPr>
+      <p:sp>
+        <p:nvSpPr>
+          <p:cNvPr id="3" name="Title 2"/>
+          <p:cNvSpPr>
+            <a:spLocks noGrp="1"/>
+          </p:cNvSpPr>
+          <p:nvPr>
+            <p:ph type="title"/>
+          </p:nvPr>
+        </p:nvSpPr>
+        <p:spPr>
+          <a:xfrm>
+            <a:off x="389436" y="228602"/>
+            <a:ext cx="8363938" cy="677108"/>
+          </a:xfrm>
+        </p:spPr>
+        <p:txBody>
+          <a:bodyPr/>
+          <a:lstStyle/>
+          <a:p>
+            <a:r>
+              <a:rPr lang="en-US" sz="4800" b="0" kern="1200" cap="none" spc="-100" baseline="0" dirty="0" smtClean="0">
+                <a:ln w="3175">
+                  <a:noFill/>
+                </a:ln>
                 <a:solidFill>
                   <a:schemeClr val="accent1"/>
                 </a:solidFill>
                 <a:effectLst/>
               </a:rPr>
-              <a:t> Some Code</a:t>
+              <a:t> </a:t>
+            </a:r>
+            <a:r>
+              <a:rPr lang="en-US" sz="4800" dirty="0" err="1" smtClean="0">
+                <a:solidFill>
+                  <a:schemeClr val="accent1"/>
+                </a:solidFill>
+              </a:rPr>
+              <a:t>Modernizr</a:t>
             </a:r>
             <a:endParaRPr lang="en-US" dirty="0">
               <a:solidFill>
@@ -11684,37 +11934,411 @@
       </p:sp>
       <p:sp>
         <p:nvSpPr>
-          <p:cNvPr id="5" name="Text Placeholder 4"/>
+          <p:cNvPr id="6" name="Rectangle 1"/>
           <p:cNvSpPr>
-            <a:spLocks noGrp="1"/>
+            <a:spLocks noChangeArrowheads="1"/>
           </p:cNvSpPr>
-          <p:nvPr>
-            <p:ph type="body" sz="quarter" idx="10"/>
-          </p:nvPr>
+          <p:nvPr/>
         </p:nvSpPr>
-        <p:spPr>
+        <p:spPr bwMode="auto">
           <a:xfrm>
-            <a:off x="389438" y="1905003"/>
-            <a:ext cx="8363937" cy="451406"/>
+            <a:off x="514347" y="1917400"/>
+            <a:ext cx="8318568" cy="2585323"/>
           </a:xfrm>
+          <a:prstGeom prst="rect">
+            <a:avLst/>
+          </a:prstGeom>
+          <a:noFill/>
+          <a:ln>
+            <a:noFill/>
+          </a:ln>
+          <a:effectLst/>
         </p:spPr>
         <p:txBody>
-          <a:bodyPr/>
+          <a:bodyPr vert="horz" wrap="square" lIns="0" tIns="0" rIns="0" bIns="0" numCol="1" anchor="ctr" anchorCtr="0" compatLnSpc="1">
+            <a:prstTxWarp prst="textNoShape">
+              <a:avLst/>
+            </a:prstTxWarp>
+            <a:spAutoFit/>
+          </a:bodyPr>
           <a:lstStyle/>
           <a:p>
-            <a:r>
-              <a:rPr lang="en-US" dirty="0" smtClean="0">
-                <a:solidFill>
-                  <a:schemeClr val="tx2"/>
-                </a:solidFill>
+            <a:pPr marL="0" marR="0" lvl="0" indent="0" algn="l" defTabSz="914400" rtl="0" eaLnBrk="1" fontAlgn="base" latinLnBrk="0" hangingPunct="1">
+              <a:lnSpc>
+                <a:spcPct val="100000"/>
+              </a:lnSpc>
+              <a:spcBef>
+                <a:spcPct val="0"/>
+              </a:spcBef>
+              <a:spcAft>
+                <a:spcPct val="0"/>
+              </a:spcAft>
+              <a:buClrTx/>
+              <a:buSzTx/>
+              <a:buFontTx/>
+              <a:buNone/>
+              <a:tabLst/>
+            </a:pPr>
+            <a:r>
+              <a:rPr kumimoji="0" lang="en-US" sz="2400" b="0" i="0" u="none" strike="noStrike" cap="none" normalizeH="0" baseline="0" dirty="0" err="1" smtClean="0">
+                <a:ln>
+                  <a:noFill/>
+                </a:ln>
+                <a:solidFill>
+                  <a:srgbClr val="000000"/>
+                </a:solidFill>
+                <a:effectLst/>
+                <a:latin typeface="Bitstream Vera Sans Mono" pitchFamily="49" charset="0"/>
+                <a:cs typeface="Arial" pitchFamily="34" charset="0"/>
               </a:rPr>
-              <a:t>Show some sample code (if relevant)</a:t>
-            </a:r>
-            <a:endParaRPr lang="en-US" dirty="0">
-              <a:solidFill>
-                <a:schemeClr val="tx2"/>
-              </a:solidFill>
-            </a:endParaRPr>
+              <a:t>Modernizr.load</a:t>
+            </a:r>
+            <a:r>
+              <a:rPr kumimoji="0" lang="en-US" sz="2400" b="0" i="0" u="none" strike="noStrike" cap="none" normalizeH="0" baseline="0" dirty="0" smtClean="0">
+                <a:ln>
+                  <a:noFill/>
+                </a:ln>
+                <a:solidFill>
+                  <a:srgbClr val="000000"/>
+                </a:solidFill>
+                <a:effectLst/>
+                <a:latin typeface="Bitstream Vera Sans Mono" pitchFamily="49" charset="0"/>
+                <a:cs typeface="Arial" pitchFamily="34" charset="0"/>
+              </a:rPr>
+              <a:t>({ </a:t>
+            </a:r>
+          </a:p>
+          <a:p>
+            <a:pPr marL="0" marR="0" lvl="0" indent="0" algn="l" defTabSz="914400" rtl="0" eaLnBrk="1" fontAlgn="base" latinLnBrk="0" hangingPunct="1">
+              <a:lnSpc>
+                <a:spcPct val="100000"/>
+              </a:lnSpc>
+              <a:spcBef>
+                <a:spcPct val="0"/>
+              </a:spcBef>
+              <a:spcAft>
+                <a:spcPct val="0"/>
+              </a:spcAft>
+              <a:buClrTx/>
+              <a:buSzTx/>
+              <a:buFontTx/>
+              <a:buNone/>
+              <a:tabLst/>
+            </a:pPr>
+            <a:r>
+              <a:rPr lang="en-US" sz="2400" dirty="0">
+                <a:solidFill>
+                  <a:srgbClr val="000000"/>
+                </a:solidFill>
+                <a:latin typeface="Bitstream Vera Sans Mono" pitchFamily="49" charset="0"/>
+                <a:cs typeface="Arial" pitchFamily="34" charset="0"/>
+              </a:rPr>
+              <a:t>	</a:t>
+            </a:r>
+            <a:r>
+              <a:rPr kumimoji="0" lang="en-US" sz="2400" b="0" i="0" u="none" strike="noStrike" cap="none" normalizeH="0" baseline="0" dirty="0" smtClean="0">
+                <a:ln>
+                  <a:noFill/>
+                </a:ln>
+                <a:solidFill>
+                  <a:srgbClr val="000000"/>
+                </a:solidFill>
+                <a:effectLst/>
+                <a:latin typeface="Bitstream Vera Sans Mono" pitchFamily="49" charset="0"/>
+                <a:cs typeface="Arial" pitchFamily="34" charset="0"/>
+              </a:rPr>
+              <a:t>test: </a:t>
+            </a:r>
+            <a:r>
+              <a:rPr kumimoji="0" lang="en-US" sz="2400" b="0" i="0" u="none" strike="noStrike" cap="none" normalizeH="0" baseline="0" dirty="0" err="1" smtClean="0">
+                <a:ln>
+                  <a:noFill/>
+                </a:ln>
+                <a:solidFill>
+                  <a:srgbClr val="000000"/>
+                </a:solidFill>
+                <a:effectLst/>
+                <a:latin typeface="Bitstream Vera Sans Mono" pitchFamily="49" charset="0"/>
+                <a:cs typeface="Arial" pitchFamily="34" charset="0"/>
+              </a:rPr>
+              <a:t>Modernizr.borderradius</a:t>
+            </a:r>
+            <a:r>
+              <a:rPr kumimoji="0" lang="en-US" sz="2400" b="0" i="0" u="none" strike="noStrike" cap="none" normalizeH="0" baseline="0" dirty="0" smtClean="0">
+                <a:ln>
+                  <a:noFill/>
+                </a:ln>
+                <a:solidFill>
+                  <a:srgbClr val="000000"/>
+                </a:solidFill>
+                <a:effectLst/>
+                <a:latin typeface="Bitstream Vera Sans Mono" pitchFamily="49" charset="0"/>
+                <a:cs typeface="Arial" pitchFamily="34" charset="0"/>
+              </a:rPr>
+              <a:t>,</a:t>
+            </a:r>
+          </a:p>
+          <a:p>
+            <a:pPr marL="0" marR="0" lvl="0" indent="0" algn="l" defTabSz="914400" rtl="0" eaLnBrk="1" fontAlgn="base" latinLnBrk="0" hangingPunct="1">
+              <a:lnSpc>
+                <a:spcPct val="100000"/>
+              </a:lnSpc>
+              <a:spcBef>
+                <a:spcPct val="0"/>
+              </a:spcBef>
+              <a:spcAft>
+                <a:spcPct val="0"/>
+              </a:spcAft>
+              <a:buClrTx/>
+              <a:buSzTx/>
+              <a:buFontTx/>
+              <a:buNone/>
+              <a:tabLst/>
+            </a:pPr>
+            <a:r>
+              <a:rPr lang="en-US" sz="2400" dirty="0" smtClean="0">
+                <a:solidFill>
+                  <a:srgbClr val="000000"/>
+                </a:solidFill>
+                <a:latin typeface="Bitstream Vera Sans Mono" pitchFamily="49" charset="0"/>
+                <a:cs typeface="Arial" pitchFamily="34" charset="0"/>
+              </a:rPr>
+              <a:t>	</a:t>
+            </a:r>
+            <a:r>
+              <a:rPr kumimoji="0" lang="en-US" sz="2400" b="0" i="0" u="none" strike="noStrike" cap="none" normalizeH="0" baseline="0" dirty="0" smtClean="0">
+                <a:ln>
+                  <a:noFill/>
+                </a:ln>
+                <a:solidFill>
+                  <a:srgbClr val="000000"/>
+                </a:solidFill>
+                <a:effectLst/>
+                <a:latin typeface="Bitstream Vera Sans Mono" pitchFamily="49" charset="0"/>
+                <a:cs typeface="Arial" pitchFamily="34" charset="0"/>
+              </a:rPr>
+              <a:t>callback: function () { </a:t>
+            </a:r>
+            <a:r>
+              <a:rPr lang="en-US" sz="2400" dirty="0" smtClean="0">
+                <a:solidFill>
+                  <a:srgbClr val="000000"/>
+                </a:solidFill>
+                <a:latin typeface="Bitstream Vera Sans Mono" pitchFamily="49" charset="0"/>
+                <a:cs typeface="Arial" pitchFamily="34" charset="0"/>
+              </a:rPr>
+              <a:t>				</a:t>
+            </a:r>
+            <a:r>
+              <a:rPr lang="en-US" sz="2400" dirty="0">
+                <a:solidFill>
+                  <a:srgbClr val="000000"/>
+                </a:solidFill>
+                <a:latin typeface="Bitstream Vera Sans Mono" pitchFamily="49" charset="0"/>
+                <a:cs typeface="Arial" pitchFamily="34" charset="0"/>
+              </a:rPr>
+              <a:t> </a:t>
+            </a:r>
+            <a:r>
+              <a:rPr lang="en-US" sz="2400" dirty="0" smtClean="0">
+                <a:solidFill>
+                  <a:srgbClr val="000000"/>
+                </a:solidFill>
+                <a:latin typeface="Bitstream Vera Sans Mono" pitchFamily="49" charset="0"/>
+                <a:cs typeface="Arial" pitchFamily="34" charset="0"/>
+              </a:rPr>
+              <a:t> 	  </a:t>
+            </a:r>
+            <a:r>
+              <a:rPr kumimoji="0" lang="en-US" sz="2400" b="0" i="0" u="none" strike="noStrike" cap="none" normalizeH="0" baseline="0" dirty="0" smtClean="0">
+                <a:ln>
+                  <a:noFill/>
+                </a:ln>
+                <a:solidFill>
+                  <a:srgbClr val="000000"/>
+                </a:solidFill>
+                <a:effectLst/>
+                <a:latin typeface="Bitstream Vera Sans Mono" pitchFamily="49" charset="0"/>
+                <a:cs typeface="Arial" pitchFamily="34" charset="0"/>
+              </a:rPr>
+              <a:t>$('.</a:t>
+            </a:r>
+            <a:r>
+              <a:rPr kumimoji="0" lang="en-US" sz="2400" b="0" i="0" u="none" strike="noStrike" cap="none" normalizeH="0" baseline="0" dirty="0" err="1" smtClean="0">
+                <a:ln>
+                  <a:noFill/>
+                </a:ln>
+                <a:solidFill>
+                  <a:srgbClr val="000000"/>
+                </a:solidFill>
+                <a:effectLst/>
+                <a:latin typeface="Bitstream Vera Sans Mono" pitchFamily="49" charset="0"/>
+                <a:cs typeface="Arial" pitchFamily="34" charset="0"/>
+              </a:rPr>
+              <a:t>roundedCornersAreCool</a:t>
+            </a:r>
+            <a:r>
+              <a:rPr kumimoji="0" lang="en-US" sz="2400" b="0" i="0" u="none" strike="noStrike" cap="none" normalizeH="0" baseline="0" dirty="0" smtClean="0">
+                <a:ln>
+                  <a:noFill/>
+                </a:ln>
+                <a:solidFill>
+                  <a:srgbClr val="000000"/>
+                </a:solidFill>
+                <a:effectLst/>
+                <a:latin typeface="Bitstream Vera Sans Mono" pitchFamily="49" charset="0"/>
+                <a:cs typeface="Arial" pitchFamily="34" charset="0"/>
+              </a:rPr>
+              <a:t>').corner(); </a:t>
+            </a:r>
+          </a:p>
+          <a:p>
+            <a:pPr marL="0" marR="0" lvl="0" indent="0" algn="l" defTabSz="914400" rtl="0" eaLnBrk="1" fontAlgn="base" latinLnBrk="0" hangingPunct="1">
+              <a:lnSpc>
+                <a:spcPct val="100000"/>
+              </a:lnSpc>
+              <a:spcBef>
+                <a:spcPct val="0"/>
+              </a:spcBef>
+              <a:spcAft>
+                <a:spcPct val="0"/>
+              </a:spcAft>
+              <a:buClrTx/>
+              <a:buSzTx/>
+              <a:buFontTx/>
+              <a:buNone/>
+              <a:tabLst/>
+            </a:pPr>
+            <a:r>
+              <a:rPr lang="en-US" sz="2400" dirty="0" smtClean="0">
+                <a:solidFill>
+                  <a:srgbClr val="000000"/>
+                </a:solidFill>
+                <a:latin typeface="Bitstream Vera Sans Mono" pitchFamily="49" charset="0"/>
+                <a:cs typeface="Arial" pitchFamily="34" charset="0"/>
+              </a:rPr>
+              <a:t>	  </a:t>
+            </a:r>
+            <a:r>
+              <a:rPr kumimoji="0" lang="en-US" sz="2400" b="0" i="0" u="none" strike="noStrike" cap="none" normalizeH="0" baseline="0" dirty="0" smtClean="0">
+                <a:ln>
+                  <a:noFill/>
+                </a:ln>
+                <a:solidFill>
+                  <a:srgbClr val="000000"/>
+                </a:solidFill>
+                <a:effectLst/>
+                <a:latin typeface="Bitstream Vera Sans Mono" pitchFamily="49" charset="0"/>
+                <a:cs typeface="Arial" pitchFamily="34" charset="0"/>
+              </a:rPr>
+              <a:t>$('#</a:t>
+            </a:r>
+            <a:r>
+              <a:rPr kumimoji="0" lang="en-US" sz="2400" b="0" i="0" u="none" strike="noStrike" cap="none" normalizeH="0" baseline="0" dirty="0" err="1" smtClean="0">
+                <a:ln>
+                  <a:noFill/>
+                </a:ln>
+                <a:solidFill>
+                  <a:srgbClr val="000000"/>
+                </a:solidFill>
+                <a:effectLst/>
+                <a:latin typeface="Bitstream Vera Sans Mono" pitchFamily="49" charset="0"/>
+                <a:cs typeface="Arial" pitchFamily="34" charset="0"/>
+              </a:rPr>
+              <a:t>myFigure</a:t>
+            </a:r>
+            <a:r>
+              <a:rPr kumimoji="0" lang="en-US" sz="2400" b="0" i="0" u="none" strike="noStrike" cap="none" normalizeH="0" baseline="0" dirty="0" smtClean="0">
+                <a:ln>
+                  <a:noFill/>
+                </a:ln>
+                <a:solidFill>
+                  <a:srgbClr val="000000"/>
+                </a:solidFill>
+                <a:effectLst/>
+                <a:latin typeface="Bitstream Vera Sans Mono" pitchFamily="49" charset="0"/>
+                <a:cs typeface="Arial" pitchFamily="34" charset="0"/>
+              </a:rPr>
+              <a:t>').corner();</a:t>
+            </a:r>
+          </a:p>
+          <a:p>
+            <a:pPr marL="0" marR="0" lvl="0" indent="0" algn="l" defTabSz="914400" rtl="0" eaLnBrk="1" fontAlgn="base" latinLnBrk="0" hangingPunct="1">
+              <a:lnSpc>
+                <a:spcPct val="100000"/>
+              </a:lnSpc>
+              <a:spcBef>
+                <a:spcPct val="0"/>
+              </a:spcBef>
+              <a:spcAft>
+                <a:spcPct val="0"/>
+              </a:spcAft>
+              <a:buClrTx/>
+              <a:buSzTx/>
+              <a:buFontTx/>
+              <a:buNone/>
+              <a:tabLst/>
+            </a:pPr>
+            <a:r>
+              <a:rPr kumimoji="0" lang="en-US" sz="2400" b="0" i="0" u="none" strike="noStrike" cap="none" normalizeH="0" baseline="0" dirty="0" smtClean="0">
+                <a:ln>
+                  <a:noFill/>
+                </a:ln>
+                <a:solidFill>
+                  <a:srgbClr val="000000"/>
+                </a:solidFill>
+                <a:effectLst/>
+                <a:latin typeface="Bitstream Vera Sans Mono" pitchFamily="49" charset="0"/>
+                <a:cs typeface="Arial" pitchFamily="34" charset="0"/>
+              </a:rPr>
+              <a:t>	} </a:t>
+            </a:r>
+          </a:p>
+          <a:p>
+            <a:pPr marL="0" marR="0" lvl="0" indent="0" algn="l" defTabSz="914400" rtl="0" eaLnBrk="1" fontAlgn="base" latinLnBrk="0" hangingPunct="1">
+              <a:lnSpc>
+                <a:spcPct val="100000"/>
+              </a:lnSpc>
+              <a:spcBef>
+                <a:spcPct val="0"/>
+              </a:spcBef>
+              <a:spcAft>
+                <a:spcPct val="0"/>
+              </a:spcAft>
+              <a:buClrTx/>
+              <a:buSzTx/>
+              <a:buFontTx/>
+              <a:buNone/>
+              <a:tabLst/>
+            </a:pPr>
+            <a:r>
+              <a:rPr kumimoji="0" lang="en-US" sz="2400" b="0" i="0" u="none" strike="noStrike" cap="none" normalizeH="0" baseline="0" dirty="0" smtClean="0">
+                <a:ln>
+                  <a:noFill/>
+                </a:ln>
+                <a:solidFill>
+                  <a:srgbClr val="000000"/>
+                </a:solidFill>
+                <a:effectLst/>
+                <a:latin typeface="Bitstream Vera Sans Mono" pitchFamily="49" charset="0"/>
+                <a:cs typeface="Arial" pitchFamily="34" charset="0"/>
+              </a:rPr>
+              <a:t>});</a:t>
+            </a:r>
+            <a:r>
+              <a:rPr kumimoji="0" lang="en-US" sz="2400" b="0" i="0" u="none" strike="noStrike" cap="none" normalizeH="0" baseline="0" dirty="0" smtClean="0">
+                <a:ln>
+                  <a:noFill/>
+                </a:ln>
+                <a:solidFill>
+                  <a:schemeClr val="tx1"/>
+                </a:solidFill>
+                <a:effectLst/>
+                <a:latin typeface="Arial" pitchFamily="34" charset="0"/>
+                <a:cs typeface="Arial" pitchFamily="34" charset="0"/>
+              </a:rPr>
+              <a:t> </a:t>
+            </a:r>
           </a:p>
         </p:txBody>
       </p:sp>
@@ -11728,21 +12352,21 @@
   <p:clrMapOvr>
     <a:masterClrMapping/>
   </p:clrMapOvr>
-  <p:transition xmlns:p14="http://schemas.microsoft.com/office/powerpoint/2010/main">
+  <p:transition>
     <p:fade/>
   </p:transition>
   <p:timing>
     <p:tnLst>
       <p:par>
-        <p:cTn xmlns:p14="http://schemas.microsoft.com/office/powerpoint/2010/main" id="1" dur="indefinite" restart="never" nodeType="tmRoot"/>
+        <p:cTn id="1" dur="indefinite" restart="never" nodeType="tmRoot"/>
       </p:par>
     </p:tnLst>
   </p:timing>
 </p:sld>
 </file>
 
-<file path=ppt/slides/slide7.xml><?xml version="1.0" encoding="utf-8"?>
-<p:sld xmlns:a="http://schemas.openxmlformats.org/drawingml/2006/main" xmlns:r="http://schemas.openxmlformats.org/officeDocument/2006/relationships" xmlns:p="http://schemas.openxmlformats.org/presentationml/2006/main">
+<file path=ppt/slides/slide8.xml><?xml version="1.0" encoding="utf-8"?>
+<p:sld xmlns:a="http://schemas.openxmlformats.org/drawingml/2006/main" xmlns:r="http://schemas.openxmlformats.org/officeDocument/2006/relationships" xmlns:p="http://schemas.openxmlformats.org/presentationml/2006/main" show="0">
   <p:cSld>
     <p:spTree>
       <p:nvGrpSpPr>
@@ -12393,20 +13017,20 @@
   <p:clrMapOvr>
     <a:masterClrMapping/>
   </p:clrMapOvr>
-  <p:transition xmlns:p14="http://schemas.microsoft.com/office/powerpoint/2010/main">
+  <p:transition>
     <p:fade/>
   </p:transition>
   <p:timing>
     <p:tnLst>
       <p:par>
-        <p:cTn xmlns:p14="http://schemas.microsoft.com/office/powerpoint/2010/main" id="1" dur="indefinite" restart="never" nodeType="tmRoot"/>
+        <p:cTn id="1" dur="indefinite" restart="never" nodeType="tmRoot"/>
       </p:par>
     </p:tnLst>
   </p:timing>
 </p:sld>
 </file>
 
-<file path=ppt/slides/slide8.xml><?xml version="1.0" encoding="utf-8"?>
+<file path=ppt/slides/slide9.xml><?xml version="1.0" encoding="utf-8"?>
 <p:sld xmlns:a="http://schemas.openxmlformats.org/drawingml/2006/main" xmlns:r="http://schemas.openxmlformats.org/officeDocument/2006/relationships" xmlns:p="http://schemas.openxmlformats.org/presentationml/2006/main">
   <p:cSld>
     <p:spTree>
@@ -12456,13 +13080,13 @@
   <p:clrMapOvr>
     <a:masterClrMapping/>
   </p:clrMapOvr>
-  <p:transition xmlns:p14="http://schemas.microsoft.com/office/powerpoint/2010/main">
+  <p:transition>
     <p:fade/>
   </p:transition>
   <p:timing>
     <p:tnLst>
       <p:par>
-        <p:cTn xmlns:p14="http://schemas.microsoft.com/office/powerpoint/2010/main" id="1" dur="indefinite" restart="never" nodeType="tmRoot"/>
+        <p:cTn id="1" dur="indefinite" restart="never" nodeType="tmRoot"/>
       </p:par>
     </p:tnLst>
   </p:timing>
